--- a/第43组_强化学习在量化金融中的应用.pptx
+++ b/第43组_强化学习在量化金融中的应用.pptx
@@ -5,10 +5,10 @@
     <p:sldMasterId id="2147483672" r:id="rId1"/>
   </p:sldMasterIdLst>
   <p:notesMasterIdLst>
-    <p:notesMasterId r:id="rId20"/>
+    <p:notesMasterId r:id="rId21"/>
   </p:notesMasterIdLst>
   <p:handoutMasterIdLst>
-    <p:handoutMasterId r:id="rId21"/>
+    <p:handoutMasterId r:id="rId22"/>
   </p:handoutMasterIdLst>
   <p:sldIdLst>
     <p:sldId id="812" r:id="rId2"/>
@@ -18,17 +18,18 @@
     <p:sldId id="910" r:id="rId6"/>
     <p:sldId id="911" r:id="rId7"/>
     <p:sldId id="912" r:id="rId8"/>
-    <p:sldId id="913" r:id="rId9"/>
-    <p:sldId id="914" r:id="rId10"/>
-    <p:sldId id="915" r:id="rId11"/>
-    <p:sldId id="916" r:id="rId12"/>
-    <p:sldId id="917" r:id="rId13"/>
-    <p:sldId id="919" r:id="rId14"/>
-    <p:sldId id="918" r:id="rId15"/>
-    <p:sldId id="920" r:id="rId16"/>
-    <p:sldId id="921" r:id="rId17"/>
-    <p:sldId id="922" r:id="rId18"/>
-    <p:sldId id="907" r:id="rId19"/>
+    <p:sldId id="923" r:id="rId9"/>
+    <p:sldId id="913" r:id="rId10"/>
+    <p:sldId id="914" r:id="rId11"/>
+    <p:sldId id="915" r:id="rId12"/>
+    <p:sldId id="916" r:id="rId13"/>
+    <p:sldId id="917" r:id="rId14"/>
+    <p:sldId id="919" r:id="rId15"/>
+    <p:sldId id="918" r:id="rId16"/>
+    <p:sldId id="920" r:id="rId17"/>
+    <p:sldId id="921" r:id="rId18"/>
+    <p:sldId id="922" r:id="rId19"/>
+    <p:sldId id="907" r:id="rId20"/>
   </p:sldIdLst>
   <p:sldSz cx="9144000" cy="6858000" type="screen4x3"/>
   <p:notesSz cx="6858000" cy="9144000"/>
@@ -6297,6 +6298,58 @@
           </a:p>
         </p:txBody>
       </p:sp>
+      <p:sp>
+        <p:nvSpPr>
+          <p:cNvPr id="6" name="TextBox 5">
+            <a:extLst>
+              <a:ext uri="{FF2B5EF4-FFF2-40B4-BE49-F238E27FC236}">
+                <a16:creationId xmlns:a16="http://schemas.microsoft.com/office/drawing/2014/main" id="{68CC6BB3-2A46-99FE-B9A0-1243E5AFAD81}"/>
+              </a:ext>
+            </a:extLst>
+          </p:cNvPr>
+          <p:cNvSpPr txBox="1"/>
+          <p:nvPr/>
+        </p:nvSpPr>
+        <p:spPr>
+          <a:xfrm>
+            <a:off x="1547664" y="5518393"/>
+            <a:ext cx="6048672" cy="369332"/>
+          </a:xfrm>
+          <a:prstGeom prst="rect">
+            <a:avLst/>
+          </a:prstGeom>
+          <a:noFill/>
+        </p:spPr>
+        <p:txBody>
+          <a:bodyPr wrap="square" rtlCol="0">
+            <a:spAutoFit/>
+          </a:bodyPr>
+          <a:lstStyle/>
+          <a:p>
+            <a:r>
+              <a:rPr lang="en-CN" sz="1800" dirty="0">
+                <a:solidFill>
+                  <a:srgbClr val="FF0000"/>
+                </a:solidFill>
+              </a:rPr>
+              <a:t>注</a:t>
+            </a:r>
+            <a:r>
+              <a:rPr lang="zh-CN" altLang="en-US" sz="1800" dirty="0">
+                <a:solidFill>
+                  <a:srgbClr val="FF0000"/>
+                </a:solidFill>
+              </a:rPr>
+              <a:t>：本文不构成任何投资建议，投资有风险，入市需谨慎</a:t>
+            </a:r>
+            <a:endParaRPr lang="en-CN" sz="1800" dirty="0">
+              <a:solidFill>
+                <a:srgbClr val="FF0000"/>
+              </a:solidFill>
+            </a:endParaRPr>
+          </a:p>
+        </p:txBody>
+      </p:sp>
     </p:spTree>
     <p:extLst>
       <p:ext uri="{BB962C8B-B14F-4D97-AF65-F5344CB8AC3E}">
@@ -6330,6 +6383,236 @@
           <a:chExt cx="0" cy="0"/>
         </a:xfrm>
       </p:grpSpPr>
+      <p:pic>
+        <p:nvPicPr>
+          <p:cNvPr id="6" name="Picture 5" descr="Chart, line chart&#10;&#10;Description automatically generated">
+            <a:extLst>
+              <a:ext uri="{FF2B5EF4-FFF2-40B4-BE49-F238E27FC236}">
+                <a16:creationId xmlns:a16="http://schemas.microsoft.com/office/drawing/2014/main" id="{F02A5089-1F6C-3E39-ADF4-66BE2D6A1806}"/>
+              </a:ext>
+            </a:extLst>
+          </p:cNvPr>
+          <p:cNvPicPr>
+            <a:picLocks noChangeAspect="1"/>
+          </p:cNvPicPr>
+          <p:nvPr/>
+        </p:nvPicPr>
+        <p:blipFill>
+          <a:blip r:embed="rId2">
+            <a:extLst>
+              <a:ext uri="{28A0092B-C50C-407E-A947-70E740481C1C}">
+                <a14:useLocalDpi xmlns:a14="http://schemas.microsoft.com/office/drawing/2010/main" val="0"/>
+              </a:ext>
+            </a:extLst>
+          </a:blip>
+          <a:stretch>
+            <a:fillRect/>
+          </a:stretch>
+        </p:blipFill>
+        <p:spPr>
+          <a:xfrm>
+            <a:off x="457200" y="1916113"/>
+            <a:ext cx="4119563" cy="2541588"/>
+          </a:xfrm>
+          <a:prstGeom prst="rect">
+            <a:avLst/>
+          </a:prstGeom>
+        </p:spPr>
+      </p:pic>
+      <p:pic>
+        <p:nvPicPr>
+          <p:cNvPr id="8" name="Picture 7" descr="Chart, bar chart&#10;&#10;Description automatically generated">
+            <a:extLst>
+              <a:ext uri="{FF2B5EF4-FFF2-40B4-BE49-F238E27FC236}">
+                <a16:creationId xmlns:a16="http://schemas.microsoft.com/office/drawing/2014/main" id="{9A8343DD-E6A5-5051-49BE-0F49A1FAA4C0}"/>
+              </a:ext>
+            </a:extLst>
+          </p:cNvPr>
+          <p:cNvPicPr>
+            <a:picLocks noChangeAspect="1"/>
+          </p:cNvPicPr>
+          <p:nvPr/>
+        </p:nvPicPr>
+        <p:blipFill>
+          <a:blip r:embed="rId3">
+            <a:extLst>
+              <a:ext uri="{28A0092B-C50C-407E-A947-70E740481C1C}">
+                <a14:useLocalDpi xmlns:a14="http://schemas.microsoft.com/office/drawing/2010/main" val="0"/>
+              </a:ext>
+            </a:extLst>
+          </a:blip>
+          <a:stretch>
+            <a:fillRect/>
+          </a:stretch>
+        </p:blipFill>
+        <p:spPr>
+          <a:xfrm>
+            <a:off x="457200" y="4532313"/>
+            <a:ext cx="4119563" cy="1277938"/>
+          </a:xfrm>
+          <a:prstGeom prst="rect">
+            <a:avLst/>
+          </a:prstGeom>
+        </p:spPr>
+      </p:pic>
+      <p:pic>
+        <p:nvPicPr>
+          <p:cNvPr id="10" name="Picture 9" descr="Chart, line chart, histogram&#10;&#10;Description automatically generated">
+            <a:extLst>
+              <a:ext uri="{FF2B5EF4-FFF2-40B4-BE49-F238E27FC236}">
+                <a16:creationId xmlns:a16="http://schemas.microsoft.com/office/drawing/2014/main" id="{0D1B6646-6CC4-CF73-BC29-4C24D3F3D897}"/>
+              </a:ext>
+            </a:extLst>
+          </p:cNvPr>
+          <p:cNvPicPr>
+            <a:picLocks noChangeAspect="1"/>
+          </p:cNvPicPr>
+          <p:nvPr/>
+        </p:nvPicPr>
+        <p:blipFill>
+          <a:blip r:embed="rId4">
+            <a:extLst>
+              <a:ext uri="{28A0092B-C50C-407E-A947-70E740481C1C}">
+                <a14:useLocalDpi xmlns:a14="http://schemas.microsoft.com/office/drawing/2010/main" val="0"/>
+              </a:ext>
+            </a:extLst>
+          </a:blip>
+          <a:stretch>
+            <a:fillRect/>
+          </a:stretch>
+        </p:blipFill>
+        <p:spPr>
+          <a:xfrm>
+            <a:off x="4651375" y="1916113"/>
+            <a:ext cx="4035425" cy="3894138"/>
+          </a:xfrm>
+          <a:prstGeom prst="rect">
+            <a:avLst/>
+          </a:prstGeom>
+        </p:spPr>
+      </p:pic>
+      <p:sp>
+        <p:nvSpPr>
+          <p:cNvPr id="4" name="Slide Number Placeholder 3">
+            <a:extLst>
+              <a:ext uri="{FF2B5EF4-FFF2-40B4-BE49-F238E27FC236}">
+                <a16:creationId xmlns:a16="http://schemas.microsoft.com/office/drawing/2014/main" id="{72F8F1E5-3DBF-2208-63C0-EC61BD3107B7}"/>
+              </a:ext>
+            </a:extLst>
+          </p:cNvPr>
+          <p:cNvSpPr>
+            <a:spLocks noGrp="1"/>
+          </p:cNvSpPr>
+          <p:nvPr>
+            <p:ph type="sldNum" sz="quarter" idx="12"/>
+          </p:nvPr>
+        </p:nvSpPr>
+        <p:spPr>
+          <a:xfrm>
+            <a:off x="6975475" y="6448425"/>
+            <a:ext cx="2133600" cy="365125"/>
+          </a:xfrm>
+        </p:spPr>
+        <p:txBody>
+          <a:bodyPr anchor="ctr">
+            <a:normAutofit/>
+          </a:bodyPr>
+          <a:lstStyle/>
+          <a:p>
+            <a:pPr>
+              <a:lnSpc>
+                <a:spcPct val="90000"/>
+              </a:lnSpc>
+              <a:spcAft>
+                <a:spcPts val="600"/>
+              </a:spcAft>
+              <a:defRPr/>
+            </a:pPr>
+            <a:fld id="{A7B174DF-EE9E-4503-AA17-43434BAD13D5}" type="slidenum">
+              <a:rPr lang="zh-CN" altLang="en-US" sz="1900" smtClean="0"/>
+              <a:pPr>
+                <a:lnSpc>
+                  <a:spcPct val="90000"/>
+                </a:lnSpc>
+                <a:spcAft>
+                  <a:spcPts val="600"/>
+                </a:spcAft>
+                <a:defRPr/>
+              </a:pPr>
+              <a:t>10</a:t>
+            </a:fld>
+            <a:endParaRPr lang="zh-CN" altLang="en-US" sz="1900"/>
+          </a:p>
+        </p:txBody>
+      </p:sp>
+      <p:sp>
+        <p:nvSpPr>
+          <p:cNvPr id="2" name="Title 1">
+            <a:extLst>
+              <a:ext uri="{FF2B5EF4-FFF2-40B4-BE49-F238E27FC236}">
+                <a16:creationId xmlns:a16="http://schemas.microsoft.com/office/drawing/2014/main" id="{28E1496A-6368-7EE0-48FE-FC40675FFE10}"/>
+              </a:ext>
+            </a:extLst>
+          </p:cNvPr>
+          <p:cNvSpPr>
+            <a:spLocks noGrp="1"/>
+          </p:cNvSpPr>
+          <p:nvPr>
+            <p:ph type="title"/>
+          </p:nvPr>
+        </p:nvSpPr>
+        <p:spPr>
+          <a:xfrm>
+            <a:off x="250825" y="-14288"/>
+            <a:ext cx="7920038" cy="836613"/>
+          </a:xfrm>
+        </p:spPr>
+        <p:txBody>
+          <a:bodyPr anchor="ctr">
+            <a:normAutofit/>
+          </a:bodyPr>
+          <a:lstStyle/>
+          <a:p>
+            <a:r>
+              <a:rPr lang="en-CN" dirty="0"/>
+              <a:t>DDPG</a:t>
+            </a:r>
+          </a:p>
+        </p:txBody>
+      </p:sp>
+    </p:spTree>
+    <p:extLst>
+      <p:ext uri="{BB962C8B-B14F-4D97-AF65-F5344CB8AC3E}">
+        <p14:creationId xmlns:p14="http://schemas.microsoft.com/office/powerpoint/2010/main" val="239516248"/>
+      </p:ext>
+    </p:extLst>
+  </p:cSld>
+  <p:clrMapOvr>
+    <a:masterClrMapping/>
+  </p:clrMapOvr>
+  <p:transition>
+    <p:zoom dir="in"/>
+  </p:transition>
+</p:sld>
+</file>
+
+<file path=ppt/slides/slide11.xml><?xml version="1.0" encoding="utf-8"?>
+<p:sld xmlns:a="http://schemas.openxmlformats.org/drawingml/2006/main" xmlns:r="http://schemas.openxmlformats.org/officeDocument/2006/relationships" xmlns:p="http://schemas.openxmlformats.org/presentationml/2006/main">
+  <p:cSld>
+    <p:spTree>
+      <p:nvGrpSpPr>
+        <p:cNvPr id="1" name=""/>
+        <p:cNvGrpSpPr/>
+        <p:nvPr/>
+      </p:nvGrpSpPr>
+      <p:grpSpPr>
+        <a:xfrm>
+          <a:off x="0" y="0"/>
+          <a:ext cx="0" cy="0"/>
+          <a:chOff x="0" y="0"/>
+          <a:chExt cx="0" cy="0"/>
+        </a:xfrm>
+      </p:grpSpPr>
       <p:sp>
         <p:nvSpPr>
           <p:cNvPr id="2" name="Title 1">
@@ -6596,7 +6879,7 @@
                 </a:spcAft>
                 <a:defRPr/>
               </a:pPr>
-              <a:t>10</a:t>
+              <a:t>11</a:t>
             </a:fld>
             <a:endParaRPr lang="zh-CN" altLang="en-US" sz="1900"/>
           </a:p>
@@ -6618,7 +6901,7 @@
 </p:sld>
 </file>
 
-<file path=ppt/slides/slide11.xml><?xml version="1.0" encoding="utf-8"?>
+<file path=ppt/slides/slide12.xml><?xml version="1.0" encoding="utf-8"?>
 <p:sld xmlns:a="http://schemas.openxmlformats.org/drawingml/2006/main" xmlns:r="http://schemas.openxmlformats.org/officeDocument/2006/relationships" xmlns:p="http://schemas.openxmlformats.org/presentationml/2006/main">
   <p:cSld>
     <p:spTree>
@@ -6791,7 +7074,7 @@
                 </a:spcAft>
                 <a:defRPr/>
               </a:pPr>
-              <a:t>11</a:t>
+              <a:t>12</a:t>
             </a:fld>
             <a:endParaRPr lang="zh-CN" altLang="en-US" sz="1900"/>
           </a:p>
@@ -6848,7 +7131,7 @@
 </p:sld>
 </file>
 
-<file path=ppt/slides/slide12.xml><?xml version="1.0" encoding="utf-8"?>
+<file path=ppt/slides/slide13.xml><?xml version="1.0" encoding="utf-8"?>
 <p:sld xmlns:a="http://schemas.openxmlformats.org/drawingml/2006/main" xmlns:r="http://schemas.openxmlformats.org/officeDocument/2006/relationships" xmlns:p="http://schemas.openxmlformats.org/presentationml/2006/main">
   <p:cSld>
     <p:spTree>
@@ -7131,7 +7414,7 @@
                 </a:spcAft>
                 <a:defRPr/>
               </a:pPr>
-              <a:t>12</a:t>
+              <a:t>13</a:t>
             </a:fld>
             <a:endParaRPr lang="zh-CN" altLang="en-US" sz="1900"/>
           </a:p>
@@ -7153,7 +7436,7 @@
 </p:sld>
 </file>
 
-<file path=ppt/slides/slide13.xml><?xml version="1.0" encoding="utf-8"?>
+<file path=ppt/slides/slide14.xml><?xml version="1.0" encoding="utf-8"?>
 <p:sld xmlns:a="http://schemas.openxmlformats.org/drawingml/2006/main" xmlns:r="http://schemas.openxmlformats.org/officeDocument/2006/relationships" xmlns:p="http://schemas.openxmlformats.org/presentationml/2006/main">
   <p:cSld>
     <p:spTree>
@@ -7326,7 +7609,7 @@
                 </a:spcAft>
                 <a:defRPr/>
               </a:pPr>
-              <a:t>13</a:t>
+              <a:t>14</a:t>
             </a:fld>
             <a:endParaRPr lang="zh-CN" altLang="en-US" sz="1900"/>
           </a:p>
@@ -7383,7 +7666,7 @@
 </p:sld>
 </file>
 
-<file path=ppt/slides/slide14.xml><?xml version="1.0" encoding="utf-8"?>
+<file path=ppt/slides/slide15.xml><?xml version="1.0" encoding="utf-8"?>
 <p:sld xmlns:a="http://schemas.openxmlformats.org/drawingml/2006/main" xmlns:r="http://schemas.openxmlformats.org/officeDocument/2006/relationships" xmlns:p="http://schemas.openxmlformats.org/presentationml/2006/main">
   <p:cSld>
     <p:spTree>
@@ -7665,7 +7948,7 @@
                 </a:spcAft>
                 <a:defRPr/>
               </a:pPr>
-              <a:t>14</a:t>
+              <a:t>15</a:t>
             </a:fld>
             <a:endParaRPr lang="zh-CN" altLang="en-US" sz="1900"/>
           </a:p>
@@ -7687,7 +7970,7 @@
 </p:sld>
 </file>
 
-<file path=ppt/slides/slide15.xml><?xml version="1.0" encoding="utf-8"?>
+<file path=ppt/slides/slide16.xml><?xml version="1.0" encoding="utf-8"?>
 <p:sld xmlns:a="http://schemas.openxmlformats.org/drawingml/2006/main" xmlns:r="http://schemas.openxmlformats.org/officeDocument/2006/relationships" xmlns:p="http://schemas.openxmlformats.org/presentationml/2006/main">
   <p:cSld>
     <p:spTree>
@@ -7857,7 +8140,7 @@
                 </a:spcAft>
                 <a:defRPr/>
               </a:pPr>
-              <a:t>15</a:t>
+              <a:t>16</a:t>
             </a:fld>
             <a:endParaRPr lang="zh-CN" altLang="en-US" sz="1900"/>
           </a:p>
@@ -7902,416 +8185,6 @@
     <p:extLst>
       <p:ext uri="{BB962C8B-B14F-4D97-AF65-F5344CB8AC3E}">
         <p14:creationId xmlns:p14="http://schemas.microsoft.com/office/powerpoint/2010/main" val="1633226303"/>
-      </p:ext>
-    </p:extLst>
-  </p:cSld>
-  <p:clrMapOvr>
-    <a:masterClrMapping/>
-  </p:clrMapOvr>
-  <p:transition>
-    <p:zoom dir="in"/>
-  </p:transition>
-</p:sld>
-</file>
-
-<file path=ppt/slides/slide16.xml><?xml version="1.0" encoding="utf-8"?>
-<p:sld xmlns:a="http://schemas.openxmlformats.org/drawingml/2006/main" xmlns:r="http://schemas.openxmlformats.org/officeDocument/2006/relationships" xmlns:p="http://schemas.openxmlformats.org/presentationml/2006/main">
-  <p:cSld>
-    <p:spTree>
-      <p:nvGrpSpPr>
-        <p:cNvPr id="1" name=""/>
-        <p:cNvGrpSpPr/>
-        <p:nvPr/>
-      </p:nvGrpSpPr>
-      <p:grpSpPr>
-        <a:xfrm>
-          <a:off x="0" y="0"/>
-          <a:ext cx="0" cy="0"/>
-          <a:chOff x="0" y="0"/>
-          <a:chExt cx="0" cy="0"/>
-        </a:xfrm>
-      </p:grpSpPr>
-      <p:sp>
-        <p:nvSpPr>
-          <p:cNvPr id="2" name="Title 1">
-            <a:extLst>
-              <a:ext uri="{FF2B5EF4-FFF2-40B4-BE49-F238E27FC236}">
-                <a16:creationId xmlns:a16="http://schemas.microsoft.com/office/drawing/2014/main" id="{22DAE71E-EEBE-3B9C-6BF3-D1A85560C486}"/>
-              </a:ext>
-            </a:extLst>
-          </p:cNvPr>
-          <p:cNvSpPr>
-            <a:spLocks noGrp="1"/>
-          </p:cNvSpPr>
-          <p:nvPr>
-            <p:ph type="title" sz="quarter"/>
-          </p:nvPr>
-        </p:nvSpPr>
-        <p:spPr>
-          <a:xfrm>
-            <a:off x="250825" y="-14288"/>
-            <a:ext cx="7920038" cy="836613"/>
-          </a:xfrm>
-        </p:spPr>
-        <p:txBody>
-          <a:bodyPr anchor="ctr">
-            <a:normAutofit/>
-          </a:bodyPr>
-          <a:lstStyle/>
-          <a:p>
-            <a:r>
-              <a:rPr lang="en-CN"/>
-              <a:t>性能评估</a:t>
-            </a:r>
-            <a:r>
-              <a:rPr lang="zh-CN" altLang="en-US"/>
-              <a:t>：四种算法横向比较</a:t>
-            </a:r>
-            <a:endParaRPr lang="en-CN" dirty="0"/>
-          </a:p>
-        </p:txBody>
-      </p:sp>
-      <p:sp>
-        <p:nvSpPr>
-          <p:cNvPr id="4" name="Slide Number Placeholder 3">
-            <a:extLst>
-              <a:ext uri="{FF2B5EF4-FFF2-40B4-BE49-F238E27FC236}">
-                <a16:creationId xmlns:a16="http://schemas.microsoft.com/office/drawing/2014/main" id="{45150D41-6484-D55B-C6B2-A1E0D4CA7ED9}"/>
-              </a:ext>
-            </a:extLst>
-          </p:cNvPr>
-          <p:cNvSpPr>
-            <a:spLocks noGrp="1"/>
-          </p:cNvSpPr>
-          <p:nvPr>
-            <p:ph type="sldNum" sz="quarter" idx="12"/>
-          </p:nvPr>
-        </p:nvSpPr>
-        <p:spPr>
-          <a:xfrm>
-            <a:off x="6975475" y="6448425"/>
-            <a:ext cx="2133600" cy="365125"/>
-          </a:xfrm>
-        </p:spPr>
-        <p:txBody>
-          <a:bodyPr anchor="ctr">
-            <a:normAutofit/>
-          </a:bodyPr>
-          <a:lstStyle/>
-          <a:p>
-            <a:pPr>
-              <a:lnSpc>
-                <a:spcPct val="90000"/>
-              </a:lnSpc>
-              <a:spcAft>
-                <a:spcPts val="600"/>
-              </a:spcAft>
-              <a:defRPr/>
-            </a:pPr>
-            <a:fld id="{31570FE6-0F48-45F9-8E08-C9DE46CCC5F5}" type="slidenum">
-              <a:rPr lang="zh-CN" altLang="en-US" sz="1900" smtClean="0"/>
-              <a:pPr>
-                <a:lnSpc>
-                  <a:spcPct val="90000"/>
-                </a:lnSpc>
-                <a:spcAft>
-                  <a:spcPts val="600"/>
-                </a:spcAft>
-                <a:defRPr/>
-              </a:pPr>
-              <a:t>16</a:t>
-            </a:fld>
-            <a:endParaRPr lang="zh-CN" altLang="en-US" sz="1900"/>
-          </a:p>
-        </p:txBody>
-      </p:sp>
-      <p:pic>
-        <p:nvPicPr>
-          <p:cNvPr id="15" name="Picture 14" descr="Table&#10;&#10;Description automatically generated">
-            <a:extLst>
-              <a:ext uri="{FF2B5EF4-FFF2-40B4-BE49-F238E27FC236}">
-                <a16:creationId xmlns:a16="http://schemas.microsoft.com/office/drawing/2014/main" id="{532E50B0-50F5-69C2-2239-9B0D2C6C1E25}"/>
-              </a:ext>
-            </a:extLst>
-          </p:cNvPr>
-          <p:cNvPicPr>
-            <a:picLocks noChangeAspect="1"/>
-          </p:cNvPicPr>
-          <p:nvPr/>
-        </p:nvPicPr>
-        <p:blipFill>
-          <a:blip r:embed="rId2">
-            <a:extLst>
-              <a:ext uri="{28A0092B-C50C-407E-A947-70E740481C1C}">
-                <a14:useLocalDpi xmlns:a14="http://schemas.microsoft.com/office/drawing/2010/main" val="0"/>
-              </a:ext>
-            </a:extLst>
-          </a:blip>
-          <a:stretch>
-            <a:fillRect/>
-          </a:stretch>
-        </p:blipFill>
-        <p:spPr>
-          <a:xfrm>
-            <a:off x="1495036" y="3797077"/>
-            <a:ext cx="2068971" cy="2460598"/>
-          </a:xfrm>
-          <a:prstGeom prst="rect">
-            <a:avLst/>
-          </a:prstGeom>
-        </p:spPr>
-      </p:pic>
-      <p:pic>
-        <p:nvPicPr>
-          <p:cNvPr id="17" name="Picture 16" descr="Table&#10;&#10;Description automatically generated">
-            <a:extLst>
-              <a:ext uri="{FF2B5EF4-FFF2-40B4-BE49-F238E27FC236}">
-                <a16:creationId xmlns:a16="http://schemas.microsoft.com/office/drawing/2014/main" id="{C6081B52-2295-7412-24F1-1EF1A17AFB78}"/>
-              </a:ext>
-            </a:extLst>
-          </p:cNvPr>
-          <p:cNvPicPr>
-            <a:picLocks noChangeAspect="1"/>
-          </p:cNvPicPr>
-          <p:nvPr/>
-        </p:nvPicPr>
-        <p:blipFill>
-          <a:blip r:embed="rId3">
-            <a:extLst>
-              <a:ext uri="{28A0092B-C50C-407E-A947-70E740481C1C}">
-                <a14:useLocalDpi xmlns:a14="http://schemas.microsoft.com/office/drawing/2010/main" val="0"/>
-              </a:ext>
-            </a:extLst>
-          </a:blip>
-          <a:stretch>
-            <a:fillRect/>
-          </a:stretch>
-        </p:blipFill>
-        <p:spPr>
-          <a:xfrm>
-            <a:off x="4433994" y="3797078"/>
-            <a:ext cx="2068972" cy="2455974"/>
-          </a:xfrm>
-          <a:prstGeom prst="rect">
-            <a:avLst/>
-          </a:prstGeom>
-        </p:spPr>
-      </p:pic>
-      <p:pic>
-        <p:nvPicPr>
-          <p:cNvPr id="19" name="Picture 18" descr="Table&#10;&#10;Description automatically generated">
-            <a:extLst>
-              <a:ext uri="{FF2B5EF4-FFF2-40B4-BE49-F238E27FC236}">
-                <a16:creationId xmlns:a16="http://schemas.microsoft.com/office/drawing/2014/main" id="{62478CC2-CDD0-D40A-355A-104F87627AC4}"/>
-              </a:ext>
-            </a:extLst>
-          </p:cNvPr>
-          <p:cNvPicPr>
-            <a:picLocks noChangeAspect="1"/>
-          </p:cNvPicPr>
-          <p:nvPr/>
-        </p:nvPicPr>
-        <p:blipFill>
-          <a:blip r:embed="rId4">
-            <a:extLst>
-              <a:ext uri="{28A0092B-C50C-407E-A947-70E740481C1C}">
-                <a14:useLocalDpi xmlns:a14="http://schemas.microsoft.com/office/drawing/2010/main" val="0"/>
-              </a:ext>
-            </a:extLst>
-          </a:blip>
-          <a:stretch>
-            <a:fillRect/>
-          </a:stretch>
-        </p:blipFill>
-        <p:spPr>
-          <a:xfrm>
-            <a:off x="1495037" y="1067563"/>
-            <a:ext cx="2068972" cy="2484276"/>
-          </a:xfrm>
-          <a:prstGeom prst="rect">
-            <a:avLst/>
-          </a:prstGeom>
-        </p:spPr>
-      </p:pic>
-      <p:pic>
-        <p:nvPicPr>
-          <p:cNvPr id="21" name="Picture 20">
-            <a:extLst>
-              <a:ext uri="{FF2B5EF4-FFF2-40B4-BE49-F238E27FC236}">
-                <a16:creationId xmlns:a16="http://schemas.microsoft.com/office/drawing/2014/main" id="{11AD4D10-2051-72B8-E106-4279ED712623}"/>
-              </a:ext>
-            </a:extLst>
-          </p:cNvPr>
-          <p:cNvPicPr>
-            <a:picLocks noChangeAspect="1"/>
-          </p:cNvPicPr>
-          <p:nvPr/>
-        </p:nvPicPr>
-        <p:blipFill>
-          <a:blip r:embed="rId5">
-            <a:extLst>
-              <a:ext uri="{28A0092B-C50C-407E-A947-70E740481C1C}">
-                <a14:useLocalDpi xmlns:a14="http://schemas.microsoft.com/office/drawing/2010/main" val="0"/>
-              </a:ext>
-            </a:extLst>
-          </a:blip>
-          <a:srcRect/>
-          <a:stretch/>
-        </p:blipFill>
-        <p:spPr>
-          <a:xfrm>
-            <a:off x="4444711" y="1067563"/>
-            <a:ext cx="2087689" cy="2484276"/>
-          </a:xfrm>
-          <a:prstGeom prst="rect">
-            <a:avLst/>
-          </a:prstGeom>
-        </p:spPr>
-      </p:pic>
-      <p:sp>
-        <p:nvSpPr>
-          <p:cNvPr id="22" name="TextBox 21">
-            <a:extLst>
-              <a:ext uri="{FF2B5EF4-FFF2-40B4-BE49-F238E27FC236}">
-                <a16:creationId xmlns:a16="http://schemas.microsoft.com/office/drawing/2014/main" id="{3CF75E77-CF6E-308D-6E3F-96094E9C776E}"/>
-              </a:ext>
-            </a:extLst>
-          </p:cNvPr>
-          <p:cNvSpPr txBox="1"/>
-          <p:nvPr/>
-        </p:nvSpPr>
-        <p:spPr>
-          <a:xfrm>
-            <a:off x="250825" y="3797077"/>
-            <a:ext cx="972108" cy="523220"/>
-          </a:xfrm>
-          <a:prstGeom prst="rect">
-            <a:avLst/>
-          </a:prstGeom>
-          <a:noFill/>
-        </p:spPr>
-        <p:txBody>
-          <a:bodyPr wrap="square" rtlCol="0">
-            <a:spAutoFit/>
-          </a:bodyPr>
-          <a:lstStyle/>
-          <a:p>
-            <a:r>
-              <a:rPr lang="en-CN" dirty="0"/>
-              <a:t>SAC</a:t>
-            </a:r>
-          </a:p>
-        </p:txBody>
-      </p:sp>
-      <p:sp>
-        <p:nvSpPr>
-          <p:cNvPr id="23" name="TextBox 22">
-            <a:extLst>
-              <a:ext uri="{FF2B5EF4-FFF2-40B4-BE49-F238E27FC236}">
-                <a16:creationId xmlns:a16="http://schemas.microsoft.com/office/drawing/2014/main" id="{A6A50B4B-3429-4BED-4B86-50DD3971CBF6}"/>
-              </a:ext>
-            </a:extLst>
-          </p:cNvPr>
-          <p:cNvSpPr txBox="1"/>
-          <p:nvPr/>
-        </p:nvSpPr>
-        <p:spPr>
-          <a:xfrm>
-            <a:off x="6735332" y="3797077"/>
-            <a:ext cx="1310035" cy="523220"/>
-          </a:xfrm>
-          <a:prstGeom prst="rect">
-            <a:avLst/>
-          </a:prstGeom>
-          <a:noFill/>
-        </p:spPr>
-        <p:txBody>
-          <a:bodyPr wrap="square" rtlCol="0">
-            <a:spAutoFit/>
-          </a:bodyPr>
-          <a:lstStyle/>
-          <a:p>
-            <a:r>
-              <a:rPr lang="en-CN" dirty="0"/>
-              <a:t>DDPG</a:t>
-            </a:r>
-          </a:p>
-        </p:txBody>
-      </p:sp>
-      <p:sp>
-        <p:nvSpPr>
-          <p:cNvPr id="24" name="TextBox 23">
-            <a:extLst>
-              <a:ext uri="{FF2B5EF4-FFF2-40B4-BE49-F238E27FC236}">
-                <a16:creationId xmlns:a16="http://schemas.microsoft.com/office/drawing/2014/main" id="{7865A533-B7AA-0007-92AE-FE8196928340}"/>
-              </a:ext>
-            </a:extLst>
-          </p:cNvPr>
-          <p:cNvSpPr txBox="1"/>
-          <p:nvPr/>
-        </p:nvSpPr>
-        <p:spPr>
-          <a:xfrm>
-            <a:off x="250825" y="1067563"/>
-            <a:ext cx="1244211" cy="523220"/>
-          </a:xfrm>
-          <a:prstGeom prst="rect">
-            <a:avLst/>
-          </a:prstGeom>
-          <a:noFill/>
-        </p:spPr>
-        <p:txBody>
-          <a:bodyPr wrap="square" rtlCol="0">
-            <a:spAutoFit/>
-          </a:bodyPr>
-          <a:lstStyle/>
-          <a:p>
-            <a:r>
-              <a:rPr lang="en-CN" dirty="0"/>
-              <a:t>A2C</a:t>
-            </a:r>
-          </a:p>
-        </p:txBody>
-      </p:sp>
-      <p:sp>
-        <p:nvSpPr>
-          <p:cNvPr id="25" name="TextBox 24">
-            <a:extLst>
-              <a:ext uri="{FF2B5EF4-FFF2-40B4-BE49-F238E27FC236}">
-                <a16:creationId xmlns:a16="http://schemas.microsoft.com/office/drawing/2014/main" id="{48F5F0FE-0FA8-1A81-03F1-01919E5F98E8}"/>
-              </a:ext>
-            </a:extLst>
-          </p:cNvPr>
-          <p:cNvSpPr txBox="1"/>
-          <p:nvPr/>
-        </p:nvSpPr>
-        <p:spPr>
-          <a:xfrm>
-            <a:off x="6735332" y="1067563"/>
-            <a:ext cx="1302109" cy="523220"/>
-          </a:xfrm>
-          <a:prstGeom prst="rect">
-            <a:avLst/>
-          </a:prstGeom>
-          <a:noFill/>
-        </p:spPr>
-        <p:txBody>
-          <a:bodyPr wrap="square" rtlCol="0">
-            <a:spAutoFit/>
-          </a:bodyPr>
-          <a:lstStyle/>
-          <a:p>
-            <a:r>
-              <a:rPr lang="en-CN" dirty="0"/>
-              <a:t>PPO</a:t>
-            </a:r>
-          </a:p>
-        </p:txBody>
-      </p:sp>
-    </p:spTree>
-    <p:extLst>
-      <p:ext uri="{BB962C8B-B14F-4D97-AF65-F5344CB8AC3E}">
-        <p14:creationId xmlns:p14="http://schemas.microsoft.com/office/powerpoint/2010/main" val="1670798683"/>
       </p:ext>
     </p:extLst>
   </p:cSld>
@@ -8346,6 +8219,420 @@
           <p:cNvPr id="2" name="Title 1">
             <a:extLst>
               <a:ext uri="{FF2B5EF4-FFF2-40B4-BE49-F238E27FC236}">
+                <a16:creationId xmlns:a16="http://schemas.microsoft.com/office/drawing/2014/main" id="{22DAE71E-EEBE-3B9C-6BF3-D1A85560C486}"/>
+              </a:ext>
+            </a:extLst>
+          </p:cNvPr>
+          <p:cNvSpPr>
+            <a:spLocks noGrp="1"/>
+          </p:cNvSpPr>
+          <p:nvPr>
+            <p:ph type="title" sz="quarter"/>
+          </p:nvPr>
+        </p:nvSpPr>
+        <p:spPr>
+          <a:xfrm>
+            <a:off x="250825" y="-14288"/>
+            <a:ext cx="7920038" cy="836613"/>
+          </a:xfrm>
+        </p:spPr>
+        <p:txBody>
+          <a:bodyPr anchor="ctr">
+            <a:normAutofit/>
+          </a:bodyPr>
+          <a:lstStyle/>
+          <a:p>
+            <a:r>
+              <a:rPr lang="en-CN"/>
+              <a:t>性能评估</a:t>
+            </a:r>
+            <a:r>
+              <a:rPr lang="zh-CN" altLang="en-US"/>
+              <a:t>：四种算法横向比较</a:t>
+            </a:r>
+            <a:endParaRPr lang="en-CN" dirty="0"/>
+          </a:p>
+        </p:txBody>
+      </p:sp>
+      <p:sp>
+        <p:nvSpPr>
+          <p:cNvPr id="4" name="Slide Number Placeholder 3">
+            <a:extLst>
+              <a:ext uri="{FF2B5EF4-FFF2-40B4-BE49-F238E27FC236}">
+                <a16:creationId xmlns:a16="http://schemas.microsoft.com/office/drawing/2014/main" id="{45150D41-6484-D55B-C6B2-A1E0D4CA7ED9}"/>
+              </a:ext>
+            </a:extLst>
+          </p:cNvPr>
+          <p:cNvSpPr>
+            <a:spLocks noGrp="1"/>
+          </p:cNvSpPr>
+          <p:nvPr>
+            <p:ph type="sldNum" sz="quarter" idx="12"/>
+          </p:nvPr>
+        </p:nvSpPr>
+        <p:spPr>
+          <a:xfrm>
+            <a:off x="6975475" y="6448425"/>
+            <a:ext cx="2133600" cy="365125"/>
+          </a:xfrm>
+        </p:spPr>
+        <p:txBody>
+          <a:bodyPr anchor="ctr">
+            <a:normAutofit/>
+          </a:bodyPr>
+          <a:lstStyle/>
+          <a:p>
+            <a:pPr>
+              <a:lnSpc>
+                <a:spcPct val="90000"/>
+              </a:lnSpc>
+              <a:spcAft>
+                <a:spcPts val="600"/>
+              </a:spcAft>
+              <a:defRPr/>
+            </a:pPr>
+            <a:fld id="{31570FE6-0F48-45F9-8E08-C9DE46CCC5F5}" type="slidenum">
+              <a:rPr lang="zh-CN" altLang="en-US" sz="1900" smtClean="0"/>
+              <a:pPr>
+                <a:lnSpc>
+                  <a:spcPct val="90000"/>
+                </a:lnSpc>
+                <a:spcAft>
+                  <a:spcPts val="600"/>
+                </a:spcAft>
+                <a:defRPr/>
+              </a:pPr>
+              <a:t>17</a:t>
+            </a:fld>
+            <a:endParaRPr lang="zh-CN" altLang="en-US" sz="1900"/>
+          </a:p>
+        </p:txBody>
+      </p:sp>
+      <p:pic>
+        <p:nvPicPr>
+          <p:cNvPr id="15" name="Picture 14" descr="Table&#10;&#10;Description automatically generated">
+            <a:extLst>
+              <a:ext uri="{FF2B5EF4-FFF2-40B4-BE49-F238E27FC236}">
+                <a16:creationId xmlns:a16="http://schemas.microsoft.com/office/drawing/2014/main" id="{532E50B0-50F5-69C2-2239-9B0D2C6C1E25}"/>
+              </a:ext>
+            </a:extLst>
+          </p:cNvPr>
+          <p:cNvPicPr>
+            <a:picLocks noChangeAspect="1"/>
+          </p:cNvPicPr>
+          <p:nvPr/>
+        </p:nvPicPr>
+        <p:blipFill>
+          <a:blip r:embed="rId2">
+            <a:extLst>
+              <a:ext uri="{28A0092B-C50C-407E-A947-70E740481C1C}">
+                <a14:useLocalDpi xmlns:a14="http://schemas.microsoft.com/office/drawing/2010/main" val="0"/>
+              </a:ext>
+            </a:extLst>
+          </a:blip>
+          <a:stretch>
+            <a:fillRect/>
+          </a:stretch>
+        </p:blipFill>
+        <p:spPr>
+          <a:xfrm>
+            <a:off x="1495036" y="3797077"/>
+            <a:ext cx="2068971" cy="2460598"/>
+          </a:xfrm>
+          <a:prstGeom prst="rect">
+            <a:avLst/>
+          </a:prstGeom>
+        </p:spPr>
+      </p:pic>
+      <p:pic>
+        <p:nvPicPr>
+          <p:cNvPr id="17" name="Picture 16" descr="Table&#10;&#10;Description automatically generated">
+            <a:extLst>
+              <a:ext uri="{FF2B5EF4-FFF2-40B4-BE49-F238E27FC236}">
+                <a16:creationId xmlns:a16="http://schemas.microsoft.com/office/drawing/2014/main" id="{C6081B52-2295-7412-24F1-1EF1A17AFB78}"/>
+              </a:ext>
+            </a:extLst>
+          </p:cNvPr>
+          <p:cNvPicPr>
+            <a:picLocks noChangeAspect="1"/>
+          </p:cNvPicPr>
+          <p:nvPr/>
+        </p:nvPicPr>
+        <p:blipFill>
+          <a:blip r:embed="rId3">
+            <a:extLst>
+              <a:ext uri="{28A0092B-C50C-407E-A947-70E740481C1C}">
+                <a14:useLocalDpi xmlns:a14="http://schemas.microsoft.com/office/drawing/2010/main" val="0"/>
+              </a:ext>
+            </a:extLst>
+          </a:blip>
+          <a:stretch>
+            <a:fillRect/>
+          </a:stretch>
+        </p:blipFill>
+        <p:spPr>
+          <a:xfrm>
+            <a:off x="4433994" y="3797078"/>
+            <a:ext cx="2068972" cy="2455974"/>
+          </a:xfrm>
+          <a:prstGeom prst="rect">
+            <a:avLst/>
+          </a:prstGeom>
+        </p:spPr>
+      </p:pic>
+      <p:pic>
+        <p:nvPicPr>
+          <p:cNvPr id="19" name="Picture 18" descr="Table&#10;&#10;Description automatically generated">
+            <a:extLst>
+              <a:ext uri="{FF2B5EF4-FFF2-40B4-BE49-F238E27FC236}">
+                <a16:creationId xmlns:a16="http://schemas.microsoft.com/office/drawing/2014/main" id="{62478CC2-CDD0-D40A-355A-104F87627AC4}"/>
+              </a:ext>
+            </a:extLst>
+          </p:cNvPr>
+          <p:cNvPicPr>
+            <a:picLocks noChangeAspect="1"/>
+          </p:cNvPicPr>
+          <p:nvPr/>
+        </p:nvPicPr>
+        <p:blipFill>
+          <a:blip r:embed="rId4">
+            <a:extLst>
+              <a:ext uri="{28A0092B-C50C-407E-A947-70E740481C1C}">
+                <a14:useLocalDpi xmlns:a14="http://schemas.microsoft.com/office/drawing/2010/main" val="0"/>
+              </a:ext>
+            </a:extLst>
+          </a:blip>
+          <a:stretch>
+            <a:fillRect/>
+          </a:stretch>
+        </p:blipFill>
+        <p:spPr>
+          <a:xfrm>
+            <a:off x="1495037" y="1067563"/>
+            <a:ext cx="2068972" cy="2484276"/>
+          </a:xfrm>
+          <a:prstGeom prst="rect">
+            <a:avLst/>
+          </a:prstGeom>
+        </p:spPr>
+      </p:pic>
+      <p:pic>
+        <p:nvPicPr>
+          <p:cNvPr id="21" name="Picture 20">
+            <a:extLst>
+              <a:ext uri="{FF2B5EF4-FFF2-40B4-BE49-F238E27FC236}">
+                <a16:creationId xmlns:a16="http://schemas.microsoft.com/office/drawing/2014/main" id="{11AD4D10-2051-72B8-E106-4279ED712623}"/>
+              </a:ext>
+            </a:extLst>
+          </p:cNvPr>
+          <p:cNvPicPr>
+            <a:picLocks noChangeAspect="1"/>
+          </p:cNvPicPr>
+          <p:nvPr/>
+        </p:nvPicPr>
+        <p:blipFill>
+          <a:blip r:embed="rId5">
+            <a:extLst>
+              <a:ext uri="{28A0092B-C50C-407E-A947-70E740481C1C}">
+                <a14:useLocalDpi xmlns:a14="http://schemas.microsoft.com/office/drawing/2010/main" val="0"/>
+              </a:ext>
+            </a:extLst>
+          </a:blip>
+          <a:srcRect/>
+          <a:stretch/>
+        </p:blipFill>
+        <p:spPr>
+          <a:xfrm>
+            <a:off x="4444711" y="1067563"/>
+            <a:ext cx="2087689" cy="2484276"/>
+          </a:xfrm>
+          <a:prstGeom prst="rect">
+            <a:avLst/>
+          </a:prstGeom>
+        </p:spPr>
+      </p:pic>
+      <p:sp>
+        <p:nvSpPr>
+          <p:cNvPr id="22" name="TextBox 21">
+            <a:extLst>
+              <a:ext uri="{FF2B5EF4-FFF2-40B4-BE49-F238E27FC236}">
+                <a16:creationId xmlns:a16="http://schemas.microsoft.com/office/drawing/2014/main" id="{3CF75E77-CF6E-308D-6E3F-96094E9C776E}"/>
+              </a:ext>
+            </a:extLst>
+          </p:cNvPr>
+          <p:cNvSpPr txBox="1"/>
+          <p:nvPr/>
+        </p:nvSpPr>
+        <p:spPr>
+          <a:xfrm>
+            <a:off x="250825" y="3797077"/>
+            <a:ext cx="972108" cy="523220"/>
+          </a:xfrm>
+          <a:prstGeom prst="rect">
+            <a:avLst/>
+          </a:prstGeom>
+          <a:noFill/>
+        </p:spPr>
+        <p:txBody>
+          <a:bodyPr wrap="square" rtlCol="0">
+            <a:spAutoFit/>
+          </a:bodyPr>
+          <a:lstStyle/>
+          <a:p>
+            <a:r>
+              <a:rPr lang="en-CN" dirty="0"/>
+              <a:t>SAC</a:t>
+            </a:r>
+          </a:p>
+        </p:txBody>
+      </p:sp>
+      <p:sp>
+        <p:nvSpPr>
+          <p:cNvPr id="23" name="TextBox 22">
+            <a:extLst>
+              <a:ext uri="{FF2B5EF4-FFF2-40B4-BE49-F238E27FC236}">
+                <a16:creationId xmlns:a16="http://schemas.microsoft.com/office/drawing/2014/main" id="{A6A50B4B-3429-4BED-4B86-50DD3971CBF6}"/>
+              </a:ext>
+            </a:extLst>
+          </p:cNvPr>
+          <p:cNvSpPr txBox="1"/>
+          <p:nvPr/>
+        </p:nvSpPr>
+        <p:spPr>
+          <a:xfrm>
+            <a:off x="6735332" y="3797077"/>
+            <a:ext cx="1310035" cy="523220"/>
+          </a:xfrm>
+          <a:prstGeom prst="rect">
+            <a:avLst/>
+          </a:prstGeom>
+          <a:noFill/>
+        </p:spPr>
+        <p:txBody>
+          <a:bodyPr wrap="square" rtlCol="0">
+            <a:spAutoFit/>
+          </a:bodyPr>
+          <a:lstStyle/>
+          <a:p>
+            <a:r>
+              <a:rPr lang="en-CN" dirty="0"/>
+              <a:t>DDPG</a:t>
+            </a:r>
+          </a:p>
+        </p:txBody>
+      </p:sp>
+      <p:sp>
+        <p:nvSpPr>
+          <p:cNvPr id="24" name="TextBox 23">
+            <a:extLst>
+              <a:ext uri="{FF2B5EF4-FFF2-40B4-BE49-F238E27FC236}">
+                <a16:creationId xmlns:a16="http://schemas.microsoft.com/office/drawing/2014/main" id="{7865A533-B7AA-0007-92AE-FE8196928340}"/>
+              </a:ext>
+            </a:extLst>
+          </p:cNvPr>
+          <p:cNvSpPr txBox="1"/>
+          <p:nvPr/>
+        </p:nvSpPr>
+        <p:spPr>
+          <a:xfrm>
+            <a:off x="250825" y="1067563"/>
+            <a:ext cx="1244211" cy="523220"/>
+          </a:xfrm>
+          <a:prstGeom prst="rect">
+            <a:avLst/>
+          </a:prstGeom>
+          <a:noFill/>
+        </p:spPr>
+        <p:txBody>
+          <a:bodyPr wrap="square" rtlCol="0">
+            <a:spAutoFit/>
+          </a:bodyPr>
+          <a:lstStyle/>
+          <a:p>
+            <a:r>
+              <a:rPr lang="en-CN" dirty="0"/>
+              <a:t>A2C</a:t>
+            </a:r>
+          </a:p>
+        </p:txBody>
+      </p:sp>
+      <p:sp>
+        <p:nvSpPr>
+          <p:cNvPr id="25" name="TextBox 24">
+            <a:extLst>
+              <a:ext uri="{FF2B5EF4-FFF2-40B4-BE49-F238E27FC236}">
+                <a16:creationId xmlns:a16="http://schemas.microsoft.com/office/drawing/2014/main" id="{48F5F0FE-0FA8-1A81-03F1-01919E5F98E8}"/>
+              </a:ext>
+            </a:extLst>
+          </p:cNvPr>
+          <p:cNvSpPr txBox="1"/>
+          <p:nvPr/>
+        </p:nvSpPr>
+        <p:spPr>
+          <a:xfrm>
+            <a:off x="6735332" y="1067563"/>
+            <a:ext cx="1302109" cy="523220"/>
+          </a:xfrm>
+          <a:prstGeom prst="rect">
+            <a:avLst/>
+          </a:prstGeom>
+          <a:noFill/>
+        </p:spPr>
+        <p:txBody>
+          <a:bodyPr wrap="square" rtlCol="0">
+            <a:spAutoFit/>
+          </a:bodyPr>
+          <a:lstStyle/>
+          <a:p>
+            <a:r>
+              <a:rPr lang="en-CN" dirty="0">
+                <a:solidFill>
+                  <a:srgbClr val="FF0000"/>
+                </a:solidFill>
+              </a:rPr>
+              <a:t>PPO</a:t>
+            </a:r>
+          </a:p>
+        </p:txBody>
+      </p:sp>
+    </p:spTree>
+    <p:extLst>
+      <p:ext uri="{BB962C8B-B14F-4D97-AF65-F5344CB8AC3E}">
+        <p14:creationId xmlns:p14="http://schemas.microsoft.com/office/powerpoint/2010/main" val="1670798683"/>
+      </p:ext>
+    </p:extLst>
+  </p:cSld>
+  <p:clrMapOvr>
+    <a:masterClrMapping/>
+  </p:clrMapOvr>
+  <p:transition>
+    <p:zoom dir="in"/>
+  </p:transition>
+</p:sld>
+</file>
+
+<file path=ppt/slides/slide18.xml><?xml version="1.0" encoding="utf-8"?>
+<p:sld xmlns:a="http://schemas.openxmlformats.org/drawingml/2006/main" xmlns:r="http://schemas.openxmlformats.org/officeDocument/2006/relationships" xmlns:p="http://schemas.openxmlformats.org/presentationml/2006/main">
+  <p:cSld>
+    <p:spTree>
+      <p:nvGrpSpPr>
+        <p:cNvPr id="1" name=""/>
+        <p:cNvGrpSpPr/>
+        <p:nvPr/>
+      </p:nvGrpSpPr>
+      <p:grpSpPr>
+        <a:xfrm>
+          <a:off x="0" y="0"/>
+          <a:ext cx="0" cy="0"/>
+          <a:chOff x="0" y="0"/>
+          <a:chExt cx="0" cy="0"/>
+        </a:xfrm>
+      </p:grpSpPr>
+      <p:sp>
+        <p:nvSpPr>
+          <p:cNvPr id="2" name="Title 1">
+            <a:extLst>
+              <a:ext uri="{FF2B5EF4-FFF2-40B4-BE49-F238E27FC236}">
                 <a16:creationId xmlns:a16="http://schemas.microsoft.com/office/drawing/2014/main" id="{549D81A4-DA3D-0BEE-B801-163F5FEDBD7B}"/>
               </a:ext>
             </a:extLst>
@@ -8398,7 +8685,7 @@
               <a:pPr>
                 <a:defRPr/>
               </a:pPr>
-              <a:t>17</a:t>
+              <a:t>18</a:t>
             </a:fld>
             <a:endParaRPr lang="zh-CN" altLang="en-US"/>
           </a:p>
@@ -8535,7 +8822,7 @@
 </p:sld>
 </file>
 
-<file path=ppt/slides/slide18.xml><?xml version="1.0" encoding="utf-8"?>
+<file path=ppt/slides/slide19.xml><?xml version="1.0" encoding="utf-8"?>
 <p:sld xmlns:a="http://schemas.openxmlformats.org/drawingml/2006/main" xmlns:r="http://schemas.openxmlformats.org/officeDocument/2006/relationships" xmlns:p="http://schemas.openxmlformats.org/presentationml/2006/main">
   <p:cSld>
     <p:spTree>
@@ -9068,20 +9355,32 @@
               <a:buNone/>
             </a:pPr>
             <a:r>
-              <a:rPr lang="en-CN" dirty="0"/>
+              <a:rPr lang="en-CN" sz="2000" dirty="0"/>
               <a:t>项目地址</a:t>
             </a:r>
             <a:r>
-              <a:rPr lang="zh-CN" altLang="en-US" dirty="0"/>
+              <a:rPr lang="zh-CN" altLang="en-US" sz="2000" dirty="0"/>
               <a:t>：</a:t>
             </a:r>
             <a:r>
-              <a:rPr lang="en-US" altLang="zh-CN" sz="2800" dirty="0">
+              <a:rPr lang="en-US" altLang="zh-CN" sz="2000" dirty="0">
                 <a:hlinkClick r:id="rId2"/>
               </a:rPr>
-              <a:t>https://github.com/QYQSDTC/FinRL</a:t>
-            </a:r>
-            <a:endParaRPr lang="en-CN" sz="2800" dirty="0"/>
+              <a:t>https://</a:t>
+            </a:r>
+            <a:r>
+              <a:rPr lang="en-US" altLang="zh-CN" sz="2000" dirty="0" err="1">
+                <a:hlinkClick r:id="rId2"/>
+              </a:rPr>
+              <a:t>github.com</a:t>
+            </a:r>
+            <a:r>
+              <a:rPr lang="en-US" altLang="zh-CN" sz="2000" dirty="0">
+                <a:hlinkClick r:id="rId2"/>
+              </a:rPr>
+              <a:t>/QYQSDTC/Reinforcement-Learning-in-Quantitative-Finance</a:t>
+            </a:r>
+            <a:endParaRPr lang="en-CN" sz="2000" dirty="0"/>
           </a:p>
           <a:p>
             <a:pPr lvl="1"/>
@@ -9241,7 +9540,12 @@
             <p:ph idx="1"/>
           </p:nvPr>
         </p:nvSpPr>
-        <p:spPr/>
+        <p:spPr>
+          <a:xfrm>
+            <a:off x="457200" y="1088740"/>
+            <a:ext cx="8229600" cy="4525963"/>
+          </a:xfrm>
+        </p:spPr>
         <p:txBody>
           <a:bodyPr/>
           <a:lstStyle/>
@@ -9277,6 +9581,9 @@
             <a:endParaRPr lang="en-US" altLang="zh-CN" dirty="0"/>
           </a:p>
           <a:p>
+            <a:endParaRPr lang="en-US" altLang="zh-CN" dirty="0"/>
+          </a:p>
+          <a:p>
             <a:r>
               <a:rPr lang="zh-CN" altLang="en-US" dirty="0"/>
               <a:t>接下来进行数据清洗，去掉了</a:t>
@@ -9313,6 +9620,9 @@
               <a:rPr lang="zh-CN" altLang="en-US" dirty="0"/>
               <a:t>支股票</a:t>
             </a:r>
+            <a:endParaRPr lang="en-US" altLang="zh-CN" dirty="0"/>
+          </a:p>
+          <a:p>
             <a:endParaRPr lang="en-US" altLang="zh-CN" dirty="0"/>
           </a:p>
           <a:p>
@@ -10280,7 +10590,7 @@
           <p:cNvPr id="2" name="Title 1">
             <a:extLst>
               <a:ext uri="{FF2B5EF4-FFF2-40B4-BE49-F238E27FC236}">
-                <a16:creationId xmlns:a16="http://schemas.microsoft.com/office/drawing/2014/main" id="{37DBEE42-20C4-2592-31DA-5DBCFB63BF83}"/>
+                <a16:creationId xmlns:a16="http://schemas.microsoft.com/office/drawing/2014/main" id="{DB3C7519-8543-53D2-5FCB-D49FD9A8F0B7}"/>
               </a:ext>
             </a:extLst>
           </p:cNvPr>
@@ -10297,18 +10607,34 @@
           <a:lstStyle/>
           <a:p>
             <a:r>
-              <a:rPr lang="zh-CN" altLang="en-CN" dirty="0"/>
-              <a:t>性能</a:t>
-            </a:r>
-            <a:r>
-              <a:rPr lang="zh-CN" altLang="en-US" dirty="0"/>
-              <a:t>表现：</a:t>
-            </a:r>
-            <a:r>
-              <a:rPr lang="en-US" altLang="zh-CN" dirty="0"/>
-              <a:t>DDPG</a:t>
-            </a:r>
-            <a:endParaRPr lang="en-CN" dirty="0"/>
+              <a:rPr lang="en-CN" dirty="0"/>
+              <a:t>金融仿真环境构建</a:t>
+            </a:r>
+          </a:p>
+        </p:txBody>
+      </p:sp>
+      <p:sp>
+        <p:nvSpPr>
+          <p:cNvPr id="3" name="Content Placeholder 2">
+            <a:extLst>
+              <a:ext uri="{FF2B5EF4-FFF2-40B4-BE49-F238E27FC236}">
+                <a16:creationId xmlns:a16="http://schemas.microsoft.com/office/drawing/2014/main" id="{672E6B9F-773A-D0D9-B36B-D28F4F0161F9}"/>
+              </a:ext>
+            </a:extLst>
+          </p:cNvPr>
+          <p:cNvSpPr>
+            <a:spLocks noGrp="1"/>
+          </p:cNvSpPr>
+          <p:nvPr>
+            <p:ph idx="1"/>
+          </p:nvPr>
+        </p:nvSpPr>
+        <p:spPr/>
+        <p:txBody>
+          <a:bodyPr/>
+          <a:lstStyle/>
+          <a:p>
+            <a:endParaRPr lang="en-CN"/>
           </a:p>
         </p:txBody>
       </p:sp>
@@ -10317,7 +10643,7 @@
           <p:cNvPr id="4" name="Slide Number Placeholder 3">
             <a:extLst>
               <a:ext uri="{FF2B5EF4-FFF2-40B4-BE49-F238E27FC236}">
-                <a16:creationId xmlns:a16="http://schemas.microsoft.com/office/drawing/2014/main" id="{0B07C12B-318F-EEFC-714E-C2BDBC970FE8}"/>
+                <a16:creationId xmlns:a16="http://schemas.microsoft.com/office/drawing/2014/main" id="{70FD45DD-4C2C-E721-F6BA-3570BE8B97D9}"/>
               </a:ext>
             </a:extLst>
           </p:cNvPr>
@@ -10351,292 +10677,10 @@
           </a:p>
         </p:txBody>
       </p:sp>
-      <p:sp>
-        <p:nvSpPr>
-          <p:cNvPr id="9" name="TextBox 8">
-            <a:extLst>
-              <a:ext uri="{FF2B5EF4-FFF2-40B4-BE49-F238E27FC236}">
-                <a16:creationId xmlns:a16="http://schemas.microsoft.com/office/drawing/2014/main" id="{E1C69611-AB05-8F24-6F62-07FB3AAC0C59}"/>
-              </a:ext>
-            </a:extLst>
-          </p:cNvPr>
-          <p:cNvSpPr txBox="1"/>
-          <p:nvPr/>
-        </p:nvSpPr>
-        <p:spPr>
-          <a:xfrm>
-            <a:off x="4038927" y="1069240"/>
-            <a:ext cx="1404156" cy="307777"/>
-          </a:xfrm>
-          <a:prstGeom prst="rect">
-            <a:avLst/>
-          </a:prstGeom>
-          <a:noFill/>
-        </p:spPr>
-        <p:txBody>
-          <a:bodyPr wrap="square" rtlCol="0">
-            <a:spAutoFit/>
-          </a:bodyPr>
-          <a:lstStyle/>
-          <a:p>
-            <a:r>
-              <a:rPr lang="en-CN" sz="1400" dirty="0"/>
-              <a:t>年化收益</a:t>
-            </a:r>
-          </a:p>
-        </p:txBody>
-      </p:sp>
-      <p:sp>
-        <p:nvSpPr>
-          <p:cNvPr id="12" name="TextBox 11">
-            <a:extLst>
-              <a:ext uri="{FF2B5EF4-FFF2-40B4-BE49-F238E27FC236}">
-                <a16:creationId xmlns:a16="http://schemas.microsoft.com/office/drawing/2014/main" id="{CEB23867-A352-4CAD-08E1-2438004C4D0B}"/>
-              </a:ext>
-            </a:extLst>
-          </p:cNvPr>
-          <p:cNvSpPr txBox="1"/>
-          <p:nvPr/>
-        </p:nvSpPr>
-        <p:spPr>
-          <a:xfrm>
-            <a:off x="4036838" y="1460503"/>
-            <a:ext cx="1404156" cy="307777"/>
-          </a:xfrm>
-          <a:prstGeom prst="rect">
-            <a:avLst/>
-          </a:prstGeom>
-          <a:noFill/>
-        </p:spPr>
-        <p:txBody>
-          <a:bodyPr wrap="square" rtlCol="0">
-            <a:spAutoFit/>
-          </a:bodyPr>
-          <a:lstStyle/>
-          <a:p>
-            <a:r>
-              <a:rPr lang="en-CN" sz="1400" dirty="0"/>
-              <a:t>累计收益</a:t>
-            </a:r>
-          </a:p>
-        </p:txBody>
-      </p:sp>
-      <p:sp>
-        <p:nvSpPr>
-          <p:cNvPr id="15" name="TextBox 14">
-            <a:extLst>
-              <a:ext uri="{FF2B5EF4-FFF2-40B4-BE49-F238E27FC236}">
-                <a16:creationId xmlns:a16="http://schemas.microsoft.com/office/drawing/2014/main" id="{F68D4F23-73FE-E30F-B03D-444AE9601E85}"/>
-              </a:ext>
-            </a:extLst>
-          </p:cNvPr>
-          <p:cNvSpPr txBox="1"/>
-          <p:nvPr/>
-        </p:nvSpPr>
-        <p:spPr>
-          <a:xfrm>
-            <a:off x="4054955" y="2096228"/>
-            <a:ext cx="1404156" cy="307777"/>
-          </a:xfrm>
-          <a:prstGeom prst="rect">
-            <a:avLst/>
-          </a:prstGeom>
-          <a:noFill/>
-        </p:spPr>
-        <p:txBody>
-          <a:bodyPr wrap="square" rtlCol="0">
-            <a:spAutoFit/>
-          </a:bodyPr>
-          <a:lstStyle/>
-          <a:p>
-            <a:r>
-              <a:rPr lang="en-CN" sz="1400" dirty="0"/>
-              <a:t>夏普率</a:t>
-            </a:r>
-          </a:p>
-        </p:txBody>
-      </p:sp>
-      <p:sp>
-        <p:nvSpPr>
-          <p:cNvPr id="18" name="TextBox 17">
-            <a:extLst>
-              <a:ext uri="{FF2B5EF4-FFF2-40B4-BE49-F238E27FC236}">
-                <a16:creationId xmlns:a16="http://schemas.microsoft.com/office/drawing/2014/main" id="{D5C6E5E4-FBB4-B7A1-1889-B898E3007178}"/>
-              </a:ext>
-            </a:extLst>
-          </p:cNvPr>
-          <p:cNvSpPr txBox="1"/>
-          <p:nvPr/>
-        </p:nvSpPr>
-        <p:spPr>
-          <a:xfrm>
-            <a:off x="4006829" y="3171800"/>
-            <a:ext cx="1404156" cy="307777"/>
-          </a:xfrm>
-          <a:prstGeom prst="rect">
-            <a:avLst/>
-          </a:prstGeom>
-          <a:noFill/>
-        </p:spPr>
-        <p:txBody>
-          <a:bodyPr wrap="square" rtlCol="0">
-            <a:spAutoFit/>
-          </a:bodyPr>
-          <a:lstStyle/>
-          <a:p>
-            <a:r>
-              <a:rPr lang="en-CN" sz="1400" dirty="0"/>
-              <a:t>最大回撤</a:t>
-            </a:r>
-          </a:p>
-        </p:txBody>
-      </p:sp>
-      <p:pic>
-        <p:nvPicPr>
-          <p:cNvPr id="20" name="Picture 19" descr="Table&#10;&#10;Description automatically generated">
-            <a:extLst>
-              <a:ext uri="{FF2B5EF4-FFF2-40B4-BE49-F238E27FC236}">
-                <a16:creationId xmlns:a16="http://schemas.microsoft.com/office/drawing/2014/main" id="{83958950-E727-6FA2-DC5F-336BEB1A3BCE}"/>
-              </a:ext>
-            </a:extLst>
-          </p:cNvPr>
-          <p:cNvPicPr>
-            <a:picLocks noChangeAspect="1"/>
-          </p:cNvPicPr>
-          <p:nvPr/>
-        </p:nvPicPr>
-        <p:blipFill>
-          <a:blip r:embed="rId3">
-            <a:extLst>
-              <a:ext uri="{28A0092B-C50C-407E-A947-70E740481C1C}">
-                <a14:useLocalDpi xmlns:a14="http://schemas.microsoft.com/office/drawing/2010/main" val="0"/>
-              </a:ext>
-            </a:extLst>
-          </a:blip>
-          <a:stretch>
-            <a:fillRect/>
-          </a:stretch>
-        </p:blipFill>
-        <p:spPr>
-          <a:xfrm>
-            <a:off x="4977839" y="915759"/>
-            <a:ext cx="3933292" cy="4666378"/>
-          </a:xfrm>
-          <a:prstGeom prst="rect">
-            <a:avLst/>
-          </a:prstGeom>
-        </p:spPr>
-      </p:pic>
-      <p:sp>
-        <p:nvSpPr>
-          <p:cNvPr id="21" name="TextBox 20">
-            <a:extLst>
-              <a:ext uri="{FF2B5EF4-FFF2-40B4-BE49-F238E27FC236}">
-                <a16:creationId xmlns:a16="http://schemas.microsoft.com/office/drawing/2014/main" id="{07934979-E604-0CD2-6F2F-A0540AEE9D36}"/>
-              </a:ext>
-            </a:extLst>
-          </p:cNvPr>
-          <p:cNvSpPr txBox="1"/>
-          <p:nvPr/>
-        </p:nvSpPr>
-        <p:spPr>
-          <a:xfrm>
-            <a:off x="1395668" y="5700838"/>
-            <a:ext cx="2196244" cy="523220"/>
-          </a:xfrm>
-          <a:prstGeom prst="rect">
-            <a:avLst/>
-          </a:prstGeom>
-          <a:noFill/>
-        </p:spPr>
-        <p:txBody>
-          <a:bodyPr wrap="square" rtlCol="0">
-            <a:spAutoFit/>
-          </a:bodyPr>
-          <a:lstStyle/>
-          <a:p>
-            <a:r>
-              <a:rPr lang="en-CN" dirty="0"/>
-              <a:t>Algo</a:t>
-            </a:r>
-          </a:p>
-        </p:txBody>
-      </p:sp>
-      <p:sp>
-        <p:nvSpPr>
-          <p:cNvPr id="22" name="TextBox 21">
-            <a:extLst>
-              <a:ext uri="{FF2B5EF4-FFF2-40B4-BE49-F238E27FC236}">
-                <a16:creationId xmlns:a16="http://schemas.microsoft.com/office/drawing/2014/main" id="{73432602-4AF4-CE43-1AEE-4E586EAAC55F}"/>
-              </a:ext>
-            </a:extLst>
-          </p:cNvPr>
-          <p:cNvSpPr txBox="1"/>
-          <p:nvPr/>
-        </p:nvSpPr>
-        <p:spPr>
-          <a:xfrm>
-            <a:off x="4977839" y="5698633"/>
-            <a:ext cx="3986454" cy="523220"/>
-          </a:xfrm>
-          <a:prstGeom prst="rect">
-            <a:avLst/>
-          </a:prstGeom>
-          <a:noFill/>
-        </p:spPr>
-        <p:txBody>
-          <a:bodyPr wrap="square" rtlCol="0">
-            <a:spAutoFit/>
-          </a:bodyPr>
-          <a:lstStyle/>
-          <a:p>
-            <a:r>
-              <a:rPr lang="en-CN" dirty="0"/>
-              <a:t>Baseline</a:t>
-            </a:r>
-          </a:p>
-        </p:txBody>
-      </p:sp>
-      <p:pic>
-        <p:nvPicPr>
-          <p:cNvPr id="5" name="Picture 4" descr="Table&#10;&#10;Description automatically generated">
-            <a:extLst>
-              <a:ext uri="{FF2B5EF4-FFF2-40B4-BE49-F238E27FC236}">
-                <a16:creationId xmlns:a16="http://schemas.microsoft.com/office/drawing/2014/main" id="{7D7486CF-0209-E9DA-7180-4C08F50BF716}"/>
-              </a:ext>
-            </a:extLst>
-          </p:cNvPr>
-          <p:cNvPicPr>
-            <a:picLocks noChangeAspect="1"/>
-          </p:cNvPicPr>
-          <p:nvPr/>
-        </p:nvPicPr>
-        <p:blipFill>
-          <a:blip r:embed="rId4">
-            <a:extLst>
-              <a:ext uri="{28A0092B-C50C-407E-A947-70E740481C1C}">
-                <a14:useLocalDpi xmlns:a14="http://schemas.microsoft.com/office/drawing/2010/main" val="0"/>
-              </a:ext>
-            </a:extLst>
-          </a:blip>
-          <a:stretch>
-            <a:fillRect/>
-          </a:stretch>
-        </p:blipFill>
-        <p:spPr>
-          <a:xfrm>
-            <a:off x="35496" y="975584"/>
-            <a:ext cx="3971333" cy="4723049"/>
-          </a:xfrm>
-          <a:prstGeom prst="rect">
-            <a:avLst/>
-          </a:prstGeom>
-        </p:spPr>
-      </p:pic>
     </p:spTree>
     <p:extLst>
       <p:ext uri="{BB962C8B-B14F-4D97-AF65-F5344CB8AC3E}">
-        <p14:creationId xmlns:p14="http://schemas.microsoft.com/office/powerpoint/2010/main" val="3811573181"/>
+        <p14:creationId xmlns:p14="http://schemas.microsoft.com/office/powerpoint/2010/main" val="1859843366"/>
       </p:ext>
     </p:extLst>
   </p:cSld>
@@ -10666,48 +10710,228 @@
           <a:chExt cx="0" cy="0"/>
         </a:xfrm>
       </p:grpSpPr>
-      <p:pic>
-        <p:nvPicPr>
-          <p:cNvPr id="6" name="Picture 5" descr="Chart, line chart&#10;&#10;Description automatically generated">
+      <p:sp>
+        <p:nvSpPr>
+          <p:cNvPr id="2" name="Title 1">
             <a:extLst>
               <a:ext uri="{FF2B5EF4-FFF2-40B4-BE49-F238E27FC236}">
-                <a16:creationId xmlns:a16="http://schemas.microsoft.com/office/drawing/2014/main" id="{F02A5089-1F6C-3E39-ADF4-66BE2D6A1806}"/>
+                <a16:creationId xmlns:a16="http://schemas.microsoft.com/office/drawing/2014/main" id="{37DBEE42-20C4-2592-31DA-5DBCFB63BF83}"/>
               </a:ext>
             </a:extLst>
           </p:cNvPr>
-          <p:cNvPicPr>
-            <a:picLocks noChangeAspect="1"/>
-          </p:cNvPicPr>
-          <p:nvPr/>
-        </p:nvPicPr>
-        <p:blipFill>
-          <a:blip r:embed="rId2">
+          <p:cNvSpPr>
+            <a:spLocks noGrp="1"/>
+          </p:cNvSpPr>
+          <p:nvPr>
+            <p:ph type="title"/>
+          </p:nvPr>
+        </p:nvSpPr>
+        <p:spPr/>
+        <p:txBody>
+          <a:bodyPr/>
+          <a:lstStyle/>
+          <a:p>
+            <a:r>
+              <a:rPr lang="zh-CN" altLang="en-CN" dirty="0"/>
+              <a:t>性能</a:t>
+            </a:r>
+            <a:r>
+              <a:rPr lang="zh-CN" altLang="en-US" dirty="0"/>
+              <a:t>表现：</a:t>
+            </a:r>
+            <a:r>
+              <a:rPr lang="en-US" altLang="zh-CN" dirty="0"/>
+              <a:t>DDPG</a:t>
+            </a:r>
+            <a:endParaRPr lang="en-CN" dirty="0"/>
+          </a:p>
+        </p:txBody>
+      </p:sp>
+      <p:sp>
+        <p:nvSpPr>
+          <p:cNvPr id="4" name="Slide Number Placeholder 3">
             <a:extLst>
-              <a:ext uri="{28A0092B-C50C-407E-A947-70E740481C1C}">
-                <a14:useLocalDpi xmlns:a14="http://schemas.microsoft.com/office/drawing/2010/main" val="0"/>
+              <a:ext uri="{FF2B5EF4-FFF2-40B4-BE49-F238E27FC236}">
+                <a16:creationId xmlns:a16="http://schemas.microsoft.com/office/drawing/2014/main" id="{0B07C12B-318F-EEFC-714E-C2BDBC970FE8}"/>
               </a:ext>
             </a:extLst>
-          </a:blip>
-          <a:stretch>
-            <a:fillRect/>
-          </a:stretch>
-        </p:blipFill>
-        <p:spPr>
-          <a:xfrm>
-            <a:off x="457200" y="1916113"/>
-            <a:ext cx="4119563" cy="2541588"/>
+          </p:cNvPr>
+          <p:cNvSpPr>
+            <a:spLocks noGrp="1"/>
+          </p:cNvSpPr>
+          <p:nvPr>
+            <p:ph type="sldNum" sz="quarter" idx="12"/>
+          </p:nvPr>
+        </p:nvSpPr>
+        <p:spPr/>
+        <p:txBody>
+          <a:bodyPr/>
+          <a:lstStyle/>
+          <a:p>
+            <a:pPr>
+              <a:defRPr/>
+            </a:pPr>
+            <a:fld id="{A7B174DF-EE9E-4503-AA17-43434BAD13D5}" type="slidenum">
+              <a:rPr lang="zh-CN" altLang="en-US" smtClean="0">
+                <a:solidFill>
+                  <a:srgbClr val="0070C0"/>
+                </a:solidFill>
+              </a:rPr>
+              <a:pPr>
+                <a:defRPr/>
+              </a:pPr>
+              <a:t>9</a:t>
+            </a:fld>
+            <a:endParaRPr lang="zh-CN" altLang="en-US" dirty="0"/>
+          </a:p>
+        </p:txBody>
+      </p:sp>
+      <p:sp>
+        <p:nvSpPr>
+          <p:cNvPr id="9" name="TextBox 8">
+            <a:extLst>
+              <a:ext uri="{FF2B5EF4-FFF2-40B4-BE49-F238E27FC236}">
+                <a16:creationId xmlns:a16="http://schemas.microsoft.com/office/drawing/2014/main" id="{E1C69611-AB05-8F24-6F62-07FB3AAC0C59}"/>
+              </a:ext>
+            </a:extLst>
+          </p:cNvPr>
+          <p:cNvSpPr txBox="1"/>
+          <p:nvPr/>
+        </p:nvSpPr>
+        <p:spPr>
+          <a:xfrm>
+            <a:off x="4038927" y="1069240"/>
+            <a:ext cx="1404156" cy="307777"/>
           </a:xfrm>
           <a:prstGeom prst="rect">
             <a:avLst/>
           </a:prstGeom>
-        </p:spPr>
-      </p:pic>
+          <a:noFill/>
+        </p:spPr>
+        <p:txBody>
+          <a:bodyPr wrap="square" rtlCol="0">
+            <a:spAutoFit/>
+          </a:bodyPr>
+          <a:lstStyle/>
+          <a:p>
+            <a:r>
+              <a:rPr lang="en-CN" sz="1400" dirty="0"/>
+              <a:t>年化收益</a:t>
+            </a:r>
+          </a:p>
+        </p:txBody>
+      </p:sp>
+      <p:sp>
+        <p:nvSpPr>
+          <p:cNvPr id="12" name="TextBox 11">
+            <a:extLst>
+              <a:ext uri="{FF2B5EF4-FFF2-40B4-BE49-F238E27FC236}">
+                <a16:creationId xmlns:a16="http://schemas.microsoft.com/office/drawing/2014/main" id="{CEB23867-A352-4CAD-08E1-2438004C4D0B}"/>
+              </a:ext>
+            </a:extLst>
+          </p:cNvPr>
+          <p:cNvSpPr txBox="1"/>
+          <p:nvPr/>
+        </p:nvSpPr>
+        <p:spPr>
+          <a:xfrm>
+            <a:off x="4036838" y="1460503"/>
+            <a:ext cx="1404156" cy="307777"/>
+          </a:xfrm>
+          <a:prstGeom prst="rect">
+            <a:avLst/>
+          </a:prstGeom>
+          <a:noFill/>
+        </p:spPr>
+        <p:txBody>
+          <a:bodyPr wrap="square" rtlCol="0">
+            <a:spAutoFit/>
+          </a:bodyPr>
+          <a:lstStyle/>
+          <a:p>
+            <a:r>
+              <a:rPr lang="en-CN" sz="1400" dirty="0"/>
+              <a:t>累计收益</a:t>
+            </a:r>
+          </a:p>
+        </p:txBody>
+      </p:sp>
+      <p:sp>
+        <p:nvSpPr>
+          <p:cNvPr id="15" name="TextBox 14">
+            <a:extLst>
+              <a:ext uri="{FF2B5EF4-FFF2-40B4-BE49-F238E27FC236}">
+                <a16:creationId xmlns:a16="http://schemas.microsoft.com/office/drawing/2014/main" id="{F68D4F23-73FE-E30F-B03D-444AE9601E85}"/>
+              </a:ext>
+            </a:extLst>
+          </p:cNvPr>
+          <p:cNvSpPr txBox="1"/>
+          <p:nvPr/>
+        </p:nvSpPr>
+        <p:spPr>
+          <a:xfrm>
+            <a:off x="4054955" y="2096228"/>
+            <a:ext cx="1404156" cy="307777"/>
+          </a:xfrm>
+          <a:prstGeom prst="rect">
+            <a:avLst/>
+          </a:prstGeom>
+          <a:noFill/>
+        </p:spPr>
+        <p:txBody>
+          <a:bodyPr wrap="square" rtlCol="0">
+            <a:spAutoFit/>
+          </a:bodyPr>
+          <a:lstStyle/>
+          <a:p>
+            <a:r>
+              <a:rPr lang="en-CN" sz="1400" dirty="0"/>
+              <a:t>夏普率</a:t>
+            </a:r>
+          </a:p>
+        </p:txBody>
+      </p:sp>
+      <p:sp>
+        <p:nvSpPr>
+          <p:cNvPr id="18" name="TextBox 17">
+            <a:extLst>
+              <a:ext uri="{FF2B5EF4-FFF2-40B4-BE49-F238E27FC236}">
+                <a16:creationId xmlns:a16="http://schemas.microsoft.com/office/drawing/2014/main" id="{D5C6E5E4-FBB4-B7A1-1889-B898E3007178}"/>
+              </a:ext>
+            </a:extLst>
+          </p:cNvPr>
+          <p:cNvSpPr txBox="1"/>
+          <p:nvPr/>
+        </p:nvSpPr>
+        <p:spPr>
+          <a:xfrm>
+            <a:off x="4006829" y="3171800"/>
+            <a:ext cx="1404156" cy="307777"/>
+          </a:xfrm>
+          <a:prstGeom prst="rect">
+            <a:avLst/>
+          </a:prstGeom>
+          <a:noFill/>
+        </p:spPr>
+        <p:txBody>
+          <a:bodyPr wrap="square" rtlCol="0">
+            <a:spAutoFit/>
+          </a:bodyPr>
+          <a:lstStyle/>
+          <a:p>
+            <a:r>
+              <a:rPr lang="en-CN" sz="1400" dirty="0"/>
+              <a:t>最大回撤</a:t>
+            </a:r>
+          </a:p>
+        </p:txBody>
+      </p:sp>
       <p:pic>
         <p:nvPicPr>
-          <p:cNvPr id="8" name="Picture 7" descr="Chart, bar chart&#10;&#10;Description automatically generated">
+          <p:cNvPr id="20" name="Picture 19" descr="Table&#10;&#10;Description automatically generated">
             <a:extLst>
               <a:ext uri="{FF2B5EF4-FFF2-40B4-BE49-F238E27FC236}">
-                <a16:creationId xmlns:a16="http://schemas.microsoft.com/office/drawing/2014/main" id="{9A8343DD-E6A5-5051-49BE-0F49A1FAA4C0}"/>
+                <a16:creationId xmlns:a16="http://schemas.microsoft.com/office/drawing/2014/main" id="{83958950-E727-6FA2-DC5F-336BEB1A3BCE}"/>
               </a:ext>
             </a:extLst>
           </p:cNvPr>
@@ -10730,20 +10954,90 @@
         </p:blipFill>
         <p:spPr>
           <a:xfrm>
-            <a:off x="457200" y="4532313"/>
-            <a:ext cx="4119563" cy="1277938"/>
+            <a:off x="4977839" y="915759"/>
+            <a:ext cx="3933292" cy="4666378"/>
           </a:xfrm>
           <a:prstGeom prst="rect">
             <a:avLst/>
           </a:prstGeom>
         </p:spPr>
       </p:pic>
+      <p:sp>
+        <p:nvSpPr>
+          <p:cNvPr id="21" name="TextBox 20">
+            <a:extLst>
+              <a:ext uri="{FF2B5EF4-FFF2-40B4-BE49-F238E27FC236}">
+                <a16:creationId xmlns:a16="http://schemas.microsoft.com/office/drawing/2014/main" id="{07934979-E604-0CD2-6F2F-A0540AEE9D36}"/>
+              </a:ext>
+            </a:extLst>
+          </p:cNvPr>
+          <p:cNvSpPr txBox="1"/>
+          <p:nvPr/>
+        </p:nvSpPr>
+        <p:spPr>
+          <a:xfrm>
+            <a:off x="1395668" y="5700838"/>
+            <a:ext cx="2196244" cy="523220"/>
+          </a:xfrm>
+          <a:prstGeom prst="rect">
+            <a:avLst/>
+          </a:prstGeom>
+          <a:noFill/>
+        </p:spPr>
+        <p:txBody>
+          <a:bodyPr wrap="square" rtlCol="0">
+            <a:spAutoFit/>
+          </a:bodyPr>
+          <a:lstStyle/>
+          <a:p>
+            <a:r>
+              <a:rPr lang="en-CN" dirty="0"/>
+              <a:t>Algo</a:t>
+            </a:r>
+          </a:p>
+        </p:txBody>
+      </p:sp>
+      <p:sp>
+        <p:nvSpPr>
+          <p:cNvPr id="22" name="TextBox 21">
+            <a:extLst>
+              <a:ext uri="{FF2B5EF4-FFF2-40B4-BE49-F238E27FC236}">
+                <a16:creationId xmlns:a16="http://schemas.microsoft.com/office/drawing/2014/main" id="{73432602-4AF4-CE43-1AEE-4E586EAAC55F}"/>
+              </a:ext>
+            </a:extLst>
+          </p:cNvPr>
+          <p:cNvSpPr txBox="1"/>
+          <p:nvPr/>
+        </p:nvSpPr>
+        <p:spPr>
+          <a:xfrm>
+            <a:off x="4977839" y="5698633"/>
+            <a:ext cx="3986454" cy="523220"/>
+          </a:xfrm>
+          <a:prstGeom prst="rect">
+            <a:avLst/>
+          </a:prstGeom>
+          <a:noFill/>
+        </p:spPr>
+        <p:txBody>
+          <a:bodyPr wrap="square" rtlCol="0">
+            <a:spAutoFit/>
+          </a:bodyPr>
+          <a:lstStyle/>
+          <a:p>
+            <a:r>
+              <a:rPr lang="en-CN" dirty="0"/>
+              <a:t>Baseline</a:t>
+            </a:r>
+          </a:p>
+        </p:txBody>
+      </p:sp>
       <p:pic>
         <p:nvPicPr>
-          <p:cNvPr id="10" name="Picture 9" descr="Chart, line chart, histogram&#10;&#10;Description automatically generated">
+          <p:cNvPr id="5" name="Picture 4" descr="Table&#10;&#10;Description automatically generated">
             <a:extLst>
               <a:ext uri="{FF2B5EF4-FFF2-40B4-BE49-F238E27FC236}">
-                <a16:creationId xmlns:a16="http://schemas.microsoft.com/office/drawing/2014/main" id="{0D1B6646-6CC4-CF73-BC29-4C24D3F3D897}"/>
+                <a16:creationId xmlns:a16="http://schemas.microsoft.com/office/drawing/2014/main" id="{7D7486CF-0209-E9DA-7180-4C08F50BF716}"/>
               </a:ext>
             </a:extLst>
           </p:cNvPr>
@@ -10766,107 +11060,18 @@
         </p:blipFill>
         <p:spPr>
           <a:xfrm>
-            <a:off x="4651375" y="1916113"/>
-            <a:ext cx="4035425" cy="3894138"/>
+            <a:off x="35496" y="975584"/>
+            <a:ext cx="3971333" cy="4723049"/>
           </a:xfrm>
           <a:prstGeom prst="rect">
             <a:avLst/>
           </a:prstGeom>
         </p:spPr>
       </p:pic>
-      <p:sp>
-        <p:nvSpPr>
-          <p:cNvPr id="4" name="Slide Number Placeholder 3">
-            <a:extLst>
-              <a:ext uri="{FF2B5EF4-FFF2-40B4-BE49-F238E27FC236}">
-                <a16:creationId xmlns:a16="http://schemas.microsoft.com/office/drawing/2014/main" id="{72F8F1E5-3DBF-2208-63C0-EC61BD3107B7}"/>
-              </a:ext>
-            </a:extLst>
-          </p:cNvPr>
-          <p:cNvSpPr>
-            <a:spLocks noGrp="1"/>
-          </p:cNvSpPr>
-          <p:nvPr>
-            <p:ph type="sldNum" sz="quarter" idx="12"/>
-          </p:nvPr>
-        </p:nvSpPr>
-        <p:spPr>
-          <a:xfrm>
-            <a:off x="6975475" y="6448425"/>
-            <a:ext cx="2133600" cy="365125"/>
-          </a:xfrm>
-        </p:spPr>
-        <p:txBody>
-          <a:bodyPr anchor="ctr">
-            <a:normAutofit/>
-          </a:bodyPr>
-          <a:lstStyle/>
-          <a:p>
-            <a:pPr>
-              <a:lnSpc>
-                <a:spcPct val="90000"/>
-              </a:lnSpc>
-              <a:spcAft>
-                <a:spcPts val="600"/>
-              </a:spcAft>
-              <a:defRPr/>
-            </a:pPr>
-            <a:fld id="{A7B174DF-EE9E-4503-AA17-43434BAD13D5}" type="slidenum">
-              <a:rPr lang="zh-CN" altLang="en-US" sz="1900" smtClean="0"/>
-              <a:pPr>
-                <a:lnSpc>
-                  <a:spcPct val="90000"/>
-                </a:lnSpc>
-                <a:spcAft>
-                  <a:spcPts val="600"/>
-                </a:spcAft>
-                <a:defRPr/>
-              </a:pPr>
-              <a:t>9</a:t>
-            </a:fld>
-            <a:endParaRPr lang="zh-CN" altLang="en-US" sz="1900"/>
-          </a:p>
-        </p:txBody>
-      </p:sp>
-      <p:sp>
-        <p:nvSpPr>
-          <p:cNvPr id="2" name="Title 1">
-            <a:extLst>
-              <a:ext uri="{FF2B5EF4-FFF2-40B4-BE49-F238E27FC236}">
-                <a16:creationId xmlns:a16="http://schemas.microsoft.com/office/drawing/2014/main" id="{28E1496A-6368-7EE0-48FE-FC40675FFE10}"/>
-              </a:ext>
-            </a:extLst>
-          </p:cNvPr>
-          <p:cNvSpPr>
-            <a:spLocks noGrp="1"/>
-          </p:cNvSpPr>
-          <p:nvPr>
-            <p:ph type="title"/>
-          </p:nvPr>
-        </p:nvSpPr>
-        <p:spPr>
-          <a:xfrm>
-            <a:off x="250825" y="-14288"/>
-            <a:ext cx="7920038" cy="836613"/>
-          </a:xfrm>
-        </p:spPr>
-        <p:txBody>
-          <a:bodyPr anchor="ctr">
-            <a:normAutofit/>
-          </a:bodyPr>
-          <a:lstStyle/>
-          <a:p>
-            <a:r>
-              <a:rPr lang="en-CN" dirty="0"/>
-              <a:t>DDPG</a:t>
-            </a:r>
-          </a:p>
-        </p:txBody>
-      </p:sp>
     </p:spTree>
     <p:extLst>
       <p:ext uri="{BB962C8B-B14F-4D97-AF65-F5344CB8AC3E}">
-        <p14:creationId xmlns:p14="http://schemas.microsoft.com/office/powerpoint/2010/main" val="239516248"/>
+        <p14:creationId xmlns:p14="http://schemas.microsoft.com/office/powerpoint/2010/main" val="3811573181"/>
       </p:ext>
     </p:extLst>
   </p:cSld>
